--- a/BLOCKING_QUEUE.pptx
+++ b/BLOCKING_QUEUE.pptx
@@ -6,6 +6,8 @@
   </p:sldMasterIdLst>
   <p:sldIdLst>
     <p:sldId id="256" r:id="rId3"/>
+    <p:sldId id="257" r:id="rId4"/>
+    <p:sldId id="258" r:id="rId5"/>
   </p:sldIdLst>
   <p:sldSz cx="10080625" cy="5670550"/>
   <p:notesSz cx="7559675" cy="10691812"/>
@@ -53,7 +55,7 @@
       </p:grpSpPr>
       <p:sp>
         <p:nvSpPr>
-          <p:cNvPr id="26" name="PlaceHolder 1"/>
+          <p:cNvPr id="23" name="PlaceHolder 1"/>
           <p:cNvSpPr>
             <a:spLocks noGrp="1"/>
           </p:cNvSpPr>
@@ -64,7 +66,7 @@
         <p:spPr>
           <a:xfrm>
             <a:off x="504000" y="226080"/>
-            <a:ext cx="9071640" cy="946440"/>
+            <a:ext cx="9071280" cy="946080"/>
           </a:xfrm>
           <a:prstGeom prst="rect">
             <a:avLst/>
@@ -84,7 +86,7 @@
       </p:sp>
       <p:sp>
         <p:nvSpPr>
-          <p:cNvPr id="27" name="PlaceHolder 2"/>
+          <p:cNvPr id="24" name="PlaceHolder 2"/>
           <p:cNvSpPr>
             <a:spLocks noGrp="1"/>
           </p:cNvSpPr>
@@ -95,7 +97,7 @@
         <p:spPr>
           <a:xfrm>
             <a:off x="504000" y="1326600"/>
-            <a:ext cx="9071640" cy="1568160"/>
+            <a:ext cx="9072000" cy="1568520"/>
           </a:xfrm>
           <a:prstGeom prst="rect">
             <a:avLst/>
@@ -114,7 +116,7 @@
       </p:sp>
       <p:sp>
         <p:nvSpPr>
-          <p:cNvPr id="28" name="PlaceHolder 3"/>
+          <p:cNvPr id="25" name="PlaceHolder 3"/>
           <p:cNvSpPr>
             <a:spLocks noGrp="1"/>
           </p:cNvSpPr>
@@ -124,8 +126,8 @@
         </p:nvSpPr>
         <p:spPr>
           <a:xfrm>
-            <a:off x="504000" y="3044160"/>
-            <a:ext cx="9071640" cy="1568160"/>
+            <a:off x="504000" y="3044520"/>
+            <a:ext cx="9072000" cy="1568520"/>
           </a:xfrm>
           <a:prstGeom prst="rect">
             <a:avLst/>
@@ -166,7 +168,7 @@
       </p:grpSpPr>
       <p:sp>
         <p:nvSpPr>
-          <p:cNvPr id="29" name="PlaceHolder 1"/>
+          <p:cNvPr id="26" name="PlaceHolder 1"/>
           <p:cNvSpPr>
             <a:spLocks noGrp="1"/>
           </p:cNvSpPr>
@@ -177,7 +179,7 @@
         <p:spPr>
           <a:xfrm>
             <a:off x="504000" y="226080"/>
-            <a:ext cx="9071640" cy="946440"/>
+            <a:ext cx="9071280" cy="946080"/>
           </a:xfrm>
           <a:prstGeom prst="rect">
             <a:avLst/>
@@ -197,7 +199,7 @@
       </p:sp>
       <p:sp>
         <p:nvSpPr>
-          <p:cNvPr id="30" name="PlaceHolder 2"/>
+          <p:cNvPr id="27" name="PlaceHolder 2"/>
           <p:cNvSpPr>
             <a:spLocks noGrp="1"/>
           </p:cNvSpPr>
@@ -208,7 +210,7 @@
         <p:spPr>
           <a:xfrm>
             <a:off x="504000" y="1326600"/>
-            <a:ext cx="4426920" cy="1568160"/>
+            <a:ext cx="4426920" cy="1568520"/>
           </a:xfrm>
           <a:prstGeom prst="rect">
             <a:avLst/>
@@ -227,7 +229,7 @@
       </p:sp>
       <p:sp>
         <p:nvSpPr>
-          <p:cNvPr id="31" name="PlaceHolder 3"/>
+          <p:cNvPr id="28" name="PlaceHolder 3"/>
           <p:cNvSpPr>
             <a:spLocks noGrp="1"/>
           </p:cNvSpPr>
@@ -238,7 +240,7 @@
         <p:spPr>
           <a:xfrm>
             <a:off x="5152680" y="1326600"/>
-            <a:ext cx="4426920" cy="1568160"/>
+            <a:ext cx="4426920" cy="1568520"/>
           </a:xfrm>
           <a:prstGeom prst="rect">
             <a:avLst/>
@@ -257,7 +259,7 @@
       </p:sp>
       <p:sp>
         <p:nvSpPr>
-          <p:cNvPr id="32" name="PlaceHolder 4"/>
+          <p:cNvPr id="29" name="PlaceHolder 4"/>
           <p:cNvSpPr>
             <a:spLocks noGrp="1"/>
           </p:cNvSpPr>
@@ -267,8 +269,8 @@
         </p:nvSpPr>
         <p:spPr>
           <a:xfrm>
-            <a:off x="504000" y="3044160"/>
-            <a:ext cx="4426920" cy="1568160"/>
+            <a:off x="504000" y="3044520"/>
+            <a:ext cx="4426920" cy="1568520"/>
           </a:xfrm>
           <a:prstGeom prst="rect">
             <a:avLst/>
@@ -287,7 +289,7 @@
       </p:sp>
       <p:sp>
         <p:nvSpPr>
-          <p:cNvPr id="33" name="PlaceHolder 5"/>
+          <p:cNvPr id="30" name="PlaceHolder 5"/>
           <p:cNvSpPr>
             <a:spLocks noGrp="1"/>
           </p:cNvSpPr>
@@ -297,8 +299,8 @@
         </p:nvSpPr>
         <p:spPr>
           <a:xfrm>
-            <a:off x="5152680" y="3044160"/>
-            <a:ext cx="4426920" cy="1568160"/>
+            <a:off x="5152680" y="3044520"/>
+            <a:ext cx="4426920" cy="1568520"/>
           </a:xfrm>
           <a:prstGeom prst="rect">
             <a:avLst/>
@@ -339,7 +341,7 @@
       </p:grpSpPr>
       <p:sp>
         <p:nvSpPr>
-          <p:cNvPr id="34" name="PlaceHolder 1"/>
+          <p:cNvPr id="31" name="PlaceHolder 1"/>
           <p:cNvSpPr>
             <a:spLocks noGrp="1"/>
           </p:cNvSpPr>
@@ -350,7 +352,7 @@
         <p:spPr>
           <a:xfrm>
             <a:off x="504000" y="226080"/>
-            <a:ext cx="9071640" cy="946440"/>
+            <a:ext cx="9071280" cy="946080"/>
           </a:xfrm>
           <a:prstGeom prst="rect">
             <a:avLst/>
@@ -370,7 +372,7 @@
       </p:sp>
       <p:sp>
         <p:nvSpPr>
-          <p:cNvPr id="35" name="PlaceHolder 2"/>
+          <p:cNvPr id="32" name="PlaceHolder 2"/>
           <p:cNvSpPr>
             <a:spLocks noGrp="1"/>
           </p:cNvSpPr>
@@ -381,7 +383,7 @@
         <p:spPr>
           <a:xfrm>
             <a:off x="504000" y="1326600"/>
-            <a:ext cx="2920680" cy="1568160"/>
+            <a:ext cx="2921040" cy="1568520"/>
           </a:xfrm>
           <a:prstGeom prst="rect">
             <a:avLst/>
@@ -400,7 +402,7 @@
       </p:sp>
       <p:sp>
         <p:nvSpPr>
-          <p:cNvPr id="36" name="PlaceHolder 3"/>
+          <p:cNvPr id="33" name="PlaceHolder 3"/>
           <p:cNvSpPr>
             <a:spLocks noGrp="1"/>
           </p:cNvSpPr>
@@ -410,8 +412,8 @@
         </p:nvSpPr>
         <p:spPr>
           <a:xfrm>
-            <a:off x="3571200" y="1326600"/>
-            <a:ext cx="2920680" cy="1568160"/>
+            <a:off x="3571560" y="1326600"/>
+            <a:ext cx="2921040" cy="1568520"/>
           </a:xfrm>
           <a:prstGeom prst="rect">
             <a:avLst/>
@@ -430,7 +432,7 @@
       </p:sp>
       <p:sp>
         <p:nvSpPr>
-          <p:cNvPr id="37" name="PlaceHolder 4"/>
+          <p:cNvPr id="34" name="PlaceHolder 4"/>
           <p:cNvSpPr>
             <a:spLocks noGrp="1"/>
           </p:cNvSpPr>
@@ -440,8 +442,8 @@
         </p:nvSpPr>
         <p:spPr>
           <a:xfrm>
-            <a:off x="6638040" y="1326600"/>
-            <a:ext cx="2920680" cy="1568160"/>
+            <a:off x="6639120" y="1326600"/>
+            <a:ext cx="2921040" cy="1568520"/>
           </a:xfrm>
           <a:prstGeom prst="rect">
             <a:avLst/>
@@ -460,7 +462,7 @@
       </p:sp>
       <p:sp>
         <p:nvSpPr>
-          <p:cNvPr id="38" name="PlaceHolder 5"/>
+          <p:cNvPr id="35" name="PlaceHolder 5"/>
           <p:cNvSpPr>
             <a:spLocks noGrp="1"/>
           </p:cNvSpPr>
@@ -470,8 +472,8 @@
         </p:nvSpPr>
         <p:spPr>
           <a:xfrm>
-            <a:off x="504000" y="3044160"/>
-            <a:ext cx="2920680" cy="1568160"/>
+            <a:off x="504000" y="3044520"/>
+            <a:ext cx="2921040" cy="1568520"/>
           </a:xfrm>
           <a:prstGeom prst="rect">
             <a:avLst/>
@@ -490,7 +492,7 @@
       </p:sp>
       <p:sp>
         <p:nvSpPr>
-          <p:cNvPr id="39" name="PlaceHolder 6"/>
+          <p:cNvPr id="36" name="PlaceHolder 6"/>
           <p:cNvSpPr>
             <a:spLocks noGrp="1"/>
           </p:cNvSpPr>
@@ -500,8 +502,8 @@
         </p:nvSpPr>
         <p:spPr>
           <a:xfrm>
-            <a:off x="3571200" y="3044160"/>
-            <a:ext cx="2920680" cy="1568160"/>
+            <a:off x="3571560" y="3044520"/>
+            <a:ext cx="2921040" cy="1568520"/>
           </a:xfrm>
           <a:prstGeom prst="rect">
             <a:avLst/>
@@ -520,7 +522,7 @@
       </p:sp>
       <p:sp>
         <p:nvSpPr>
-          <p:cNvPr id="40" name="PlaceHolder 7"/>
+          <p:cNvPr id="37" name="PlaceHolder 7"/>
           <p:cNvSpPr>
             <a:spLocks noGrp="1"/>
           </p:cNvSpPr>
@@ -530,8 +532,8 @@
         </p:nvSpPr>
         <p:spPr>
           <a:xfrm>
-            <a:off x="6638040" y="3044160"/>
-            <a:ext cx="2920680" cy="1568160"/>
+            <a:off x="6639120" y="3044520"/>
+            <a:ext cx="2921040" cy="1568520"/>
           </a:xfrm>
           <a:prstGeom prst="rect">
             <a:avLst/>
@@ -572,7 +574,7 @@
       </p:grpSpPr>
       <p:sp>
         <p:nvSpPr>
-          <p:cNvPr id="5" name="PlaceHolder 1"/>
+          <p:cNvPr id="2" name="PlaceHolder 1"/>
           <p:cNvSpPr>
             <a:spLocks noGrp="1"/>
           </p:cNvSpPr>
@@ -583,7 +585,7 @@
         <p:spPr>
           <a:xfrm>
             <a:off x="504000" y="226080"/>
-            <a:ext cx="9071640" cy="946440"/>
+            <a:ext cx="9071280" cy="946080"/>
           </a:xfrm>
           <a:prstGeom prst="rect">
             <a:avLst/>
@@ -603,7 +605,7 @@
       </p:sp>
       <p:sp>
         <p:nvSpPr>
-          <p:cNvPr id="6" name="PlaceHolder 2"/>
+          <p:cNvPr id="3" name="PlaceHolder 2"/>
           <p:cNvSpPr>
             <a:spLocks noGrp="1"/>
           </p:cNvSpPr>
@@ -614,7 +616,7 @@
         <p:spPr>
           <a:xfrm>
             <a:off x="504000" y="1326600"/>
-            <a:ext cx="9071640" cy="3288240"/>
+            <a:ext cx="9072000" cy="3288600"/>
           </a:xfrm>
           <a:prstGeom prst="rect">
             <a:avLst/>
@@ -656,7 +658,7 @@
       </p:grpSpPr>
       <p:sp>
         <p:nvSpPr>
-          <p:cNvPr id="7" name="PlaceHolder 1"/>
+          <p:cNvPr id="4" name="PlaceHolder 1"/>
           <p:cNvSpPr>
             <a:spLocks noGrp="1"/>
           </p:cNvSpPr>
@@ -667,7 +669,7 @@
         <p:spPr>
           <a:xfrm>
             <a:off x="504000" y="226080"/>
-            <a:ext cx="9071640" cy="946440"/>
+            <a:ext cx="9071280" cy="946080"/>
           </a:xfrm>
           <a:prstGeom prst="rect">
             <a:avLst/>
@@ -687,7 +689,7 @@
       </p:sp>
       <p:sp>
         <p:nvSpPr>
-          <p:cNvPr id="8" name="PlaceHolder 2"/>
+          <p:cNvPr id="5" name="PlaceHolder 2"/>
           <p:cNvSpPr>
             <a:spLocks noGrp="1"/>
           </p:cNvSpPr>
@@ -698,7 +700,7 @@
         <p:spPr>
           <a:xfrm>
             <a:off x="504000" y="1326600"/>
-            <a:ext cx="9071640" cy="3288240"/>
+            <a:ext cx="9072000" cy="3288600"/>
           </a:xfrm>
           <a:prstGeom prst="rect">
             <a:avLst/>
@@ -739,7 +741,7 @@
       </p:grpSpPr>
       <p:sp>
         <p:nvSpPr>
-          <p:cNvPr id="9" name="PlaceHolder 1"/>
+          <p:cNvPr id="6" name="PlaceHolder 1"/>
           <p:cNvSpPr>
             <a:spLocks noGrp="1"/>
           </p:cNvSpPr>
@@ -750,7 +752,7 @@
         <p:spPr>
           <a:xfrm>
             <a:off x="504000" y="226080"/>
-            <a:ext cx="9071640" cy="946440"/>
+            <a:ext cx="9071280" cy="946080"/>
           </a:xfrm>
           <a:prstGeom prst="rect">
             <a:avLst/>
@@ -770,7 +772,7 @@
       </p:sp>
       <p:sp>
         <p:nvSpPr>
-          <p:cNvPr id="10" name="PlaceHolder 2"/>
+          <p:cNvPr id="7" name="PlaceHolder 2"/>
           <p:cNvSpPr>
             <a:spLocks noGrp="1"/>
           </p:cNvSpPr>
@@ -781,7 +783,7 @@
         <p:spPr>
           <a:xfrm>
             <a:off x="504000" y="1326600"/>
-            <a:ext cx="4426920" cy="3288240"/>
+            <a:ext cx="4426920" cy="3288600"/>
           </a:xfrm>
           <a:prstGeom prst="rect">
             <a:avLst/>
@@ -800,7 +802,7 @@
       </p:sp>
       <p:sp>
         <p:nvSpPr>
-          <p:cNvPr id="11" name="PlaceHolder 3"/>
+          <p:cNvPr id="8" name="PlaceHolder 3"/>
           <p:cNvSpPr>
             <a:spLocks noGrp="1"/>
           </p:cNvSpPr>
@@ -811,7 +813,7 @@
         <p:spPr>
           <a:xfrm>
             <a:off x="5152680" y="1326600"/>
-            <a:ext cx="4426920" cy="3288240"/>
+            <a:ext cx="4426920" cy="3288600"/>
           </a:xfrm>
           <a:prstGeom prst="rect">
             <a:avLst/>
@@ -852,7 +854,7 @@
       </p:grpSpPr>
       <p:sp>
         <p:nvSpPr>
-          <p:cNvPr id="12" name="PlaceHolder 1"/>
+          <p:cNvPr id="9" name="PlaceHolder 1"/>
           <p:cNvSpPr>
             <a:spLocks noGrp="1"/>
           </p:cNvSpPr>
@@ -863,7 +865,7 @@
         <p:spPr>
           <a:xfrm>
             <a:off x="504000" y="226080"/>
-            <a:ext cx="9071640" cy="946440"/>
+            <a:ext cx="9071280" cy="946080"/>
           </a:xfrm>
           <a:prstGeom prst="rect">
             <a:avLst/>
@@ -905,7 +907,7 @@
       </p:grpSpPr>
       <p:sp>
         <p:nvSpPr>
-          <p:cNvPr id="13" name="PlaceHolder 1"/>
+          <p:cNvPr id="10" name="PlaceHolder 1"/>
           <p:cNvSpPr>
             <a:spLocks noGrp="1"/>
           </p:cNvSpPr>
@@ -916,7 +918,7 @@
         <p:spPr>
           <a:xfrm>
             <a:off x="504000" y="226080"/>
-            <a:ext cx="9071640" cy="4388400"/>
+            <a:ext cx="9071280" cy="4386600"/>
           </a:xfrm>
           <a:prstGeom prst="rect">
             <a:avLst/>
@@ -958,7 +960,7 @@
       </p:grpSpPr>
       <p:sp>
         <p:nvSpPr>
-          <p:cNvPr id="14" name="PlaceHolder 1"/>
+          <p:cNvPr id="11" name="PlaceHolder 1"/>
           <p:cNvSpPr>
             <a:spLocks noGrp="1"/>
           </p:cNvSpPr>
@@ -969,7 +971,7 @@
         <p:spPr>
           <a:xfrm>
             <a:off x="504000" y="226080"/>
-            <a:ext cx="9071640" cy="946440"/>
+            <a:ext cx="9071280" cy="946080"/>
           </a:xfrm>
           <a:prstGeom prst="rect">
             <a:avLst/>
@@ -989,7 +991,7 @@
       </p:sp>
       <p:sp>
         <p:nvSpPr>
-          <p:cNvPr id="15" name="PlaceHolder 2"/>
+          <p:cNvPr id="12" name="PlaceHolder 2"/>
           <p:cNvSpPr>
             <a:spLocks noGrp="1"/>
           </p:cNvSpPr>
@@ -1000,7 +1002,7 @@
         <p:spPr>
           <a:xfrm>
             <a:off x="504000" y="1326600"/>
-            <a:ext cx="4426920" cy="1568160"/>
+            <a:ext cx="4426920" cy="1568520"/>
           </a:xfrm>
           <a:prstGeom prst="rect">
             <a:avLst/>
@@ -1019,7 +1021,7 @@
       </p:sp>
       <p:sp>
         <p:nvSpPr>
-          <p:cNvPr id="16" name="PlaceHolder 3"/>
+          <p:cNvPr id="13" name="PlaceHolder 3"/>
           <p:cNvSpPr>
             <a:spLocks noGrp="1"/>
           </p:cNvSpPr>
@@ -1030,7 +1032,7 @@
         <p:spPr>
           <a:xfrm>
             <a:off x="5152680" y="1326600"/>
-            <a:ext cx="4426920" cy="3288240"/>
+            <a:ext cx="4426920" cy="3288600"/>
           </a:xfrm>
           <a:prstGeom prst="rect">
             <a:avLst/>
@@ -1049,7 +1051,7 @@
       </p:sp>
       <p:sp>
         <p:nvSpPr>
-          <p:cNvPr id="17" name="PlaceHolder 4"/>
+          <p:cNvPr id="14" name="PlaceHolder 4"/>
           <p:cNvSpPr>
             <a:spLocks noGrp="1"/>
           </p:cNvSpPr>
@@ -1059,8 +1061,8 @@
         </p:nvSpPr>
         <p:spPr>
           <a:xfrm>
-            <a:off x="504000" y="3044160"/>
-            <a:ext cx="4426920" cy="1568160"/>
+            <a:off x="504000" y="3044520"/>
+            <a:ext cx="4426920" cy="1568520"/>
           </a:xfrm>
           <a:prstGeom prst="rect">
             <a:avLst/>
@@ -1101,7 +1103,7 @@
       </p:grpSpPr>
       <p:sp>
         <p:nvSpPr>
-          <p:cNvPr id="18" name="PlaceHolder 1"/>
+          <p:cNvPr id="15" name="PlaceHolder 1"/>
           <p:cNvSpPr>
             <a:spLocks noGrp="1"/>
           </p:cNvSpPr>
@@ -1112,7 +1114,7 @@
         <p:spPr>
           <a:xfrm>
             <a:off x="504000" y="226080"/>
-            <a:ext cx="9071640" cy="946440"/>
+            <a:ext cx="9071280" cy="946080"/>
           </a:xfrm>
           <a:prstGeom prst="rect">
             <a:avLst/>
@@ -1132,7 +1134,7 @@
       </p:sp>
       <p:sp>
         <p:nvSpPr>
-          <p:cNvPr id="19" name="PlaceHolder 2"/>
+          <p:cNvPr id="16" name="PlaceHolder 2"/>
           <p:cNvSpPr>
             <a:spLocks noGrp="1"/>
           </p:cNvSpPr>
@@ -1143,7 +1145,7 @@
         <p:spPr>
           <a:xfrm>
             <a:off x="504000" y="1326600"/>
-            <a:ext cx="4426920" cy="3288240"/>
+            <a:ext cx="4426920" cy="3288600"/>
           </a:xfrm>
           <a:prstGeom prst="rect">
             <a:avLst/>
@@ -1162,7 +1164,7 @@
       </p:sp>
       <p:sp>
         <p:nvSpPr>
-          <p:cNvPr id="20" name="PlaceHolder 3"/>
+          <p:cNvPr id="17" name="PlaceHolder 3"/>
           <p:cNvSpPr>
             <a:spLocks noGrp="1"/>
           </p:cNvSpPr>
@@ -1173,7 +1175,7 @@
         <p:spPr>
           <a:xfrm>
             <a:off x="5152680" y="1326600"/>
-            <a:ext cx="4426920" cy="1568160"/>
+            <a:ext cx="4426920" cy="1568520"/>
           </a:xfrm>
           <a:prstGeom prst="rect">
             <a:avLst/>
@@ -1192,7 +1194,7 @@
       </p:sp>
       <p:sp>
         <p:nvSpPr>
-          <p:cNvPr id="21" name="PlaceHolder 4"/>
+          <p:cNvPr id="18" name="PlaceHolder 4"/>
           <p:cNvSpPr>
             <a:spLocks noGrp="1"/>
           </p:cNvSpPr>
@@ -1202,8 +1204,8 @@
         </p:nvSpPr>
         <p:spPr>
           <a:xfrm>
-            <a:off x="5152680" y="3044160"/>
-            <a:ext cx="4426920" cy="1568160"/>
+            <a:off x="5152680" y="3044520"/>
+            <a:ext cx="4426920" cy="1568520"/>
           </a:xfrm>
           <a:prstGeom prst="rect">
             <a:avLst/>
@@ -1244,7 +1246,7 @@
       </p:grpSpPr>
       <p:sp>
         <p:nvSpPr>
-          <p:cNvPr id="22" name="PlaceHolder 1"/>
+          <p:cNvPr id="19" name="PlaceHolder 1"/>
           <p:cNvSpPr>
             <a:spLocks noGrp="1"/>
           </p:cNvSpPr>
@@ -1255,7 +1257,7 @@
         <p:spPr>
           <a:xfrm>
             <a:off x="504000" y="226080"/>
-            <a:ext cx="9071640" cy="946440"/>
+            <a:ext cx="9071280" cy="946080"/>
           </a:xfrm>
           <a:prstGeom prst="rect">
             <a:avLst/>
@@ -1275,7 +1277,7 @@
       </p:sp>
       <p:sp>
         <p:nvSpPr>
-          <p:cNvPr id="23" name="PlaceHolder 2"/>
+          <p:cNvPr id="20" name="PlaceHolder 2"/>
           <p:cNvSpPr>
             <a:spLocks noGrp="1"/>
           </p:cNvSpPr>
@@ -1286,7 +1288,7 @@
         <p:spPr>
           <a:xfrm>
             <a:off x="504000" y="1326600"/>
-            <a:ext cx="4426920" cy="1568160"/>
+            <a:ext cx="4426920" cy="1568520"/>
           </a:xfrm>
           <a:prstGeom prst="rect">
             <a:avLst/>
@@ -1305,7 +1307,7 @@
       </p:sp>
       <p:sp>
         <p:nvSpPr>
-          <p:cNvPr id="24" name="PlaceHolder 3"/>
+          <p:cNvPr id="21" name="PlaceHolder 3"/>
           <p:cNvSpPr>
             <a:spLocks noGrp="1"/>
           </p:cNvSpPr>
@@ -1316,7 +1318,7 @@
         <p:spPr>
           <a:xfrm>
             <a:off x="5152680" y="1326600"/>
-            <a:ext cx="4426920" cy="1568160"/>
+            <a:ext cx="4426920" cy="1568520"/>
           </a:xfrm>
           <a:prstGeom prst="rect">
             <a:avLst/>
@@ -1335,7 +1337,7 @@
       </p:sp>
       <p:sp>
         <p:nvSpPr>
-          <p:cNvPr id="25" name="PlaceHolder 4"/>
+          <p:cNvPr id="22" name="PlaceHolder 4"/>
           <p:cNvSpPr>
             <a:spLocks noGrp="1"/>
           </p:cNvSpPr>
@@ -1345,8 +1347,8 @@
         </p:nvSpPr>
         <p:spPr>
           <a:xfrm>
-            <a:off x="504000" y="3044160"/>
-            <a:ext cx="9071640" cy="1568160"/>
+            <a:off x="504000" y="3044520"/>
+            <a:ext cx="9072000" cy="1568520"/>
           </a:xfrm>
           <a:prstGeom prst="rect">
             <a:avLst/>
@@ -1398,7 +1400,7 @@
         <p:spPr>
           <a:xfrm>
             <a:off x="504000" y="226080"/>
-            <a:ext cx="9071640" cy="946440"/>
+            <a:ext cx="9071280" cy="946080"/>
           </a:xfrm>
           <a:prstGeom prst="rect">
             <a:avLst/>
@@ -1409,14 +1411,13 @@
             <a:noAutofit/>
           </a:bodyPr>
           <a:p>
-            <a:pPr algn="ctr"/>
-            <a:r>
-              <a:rPr b="0" lang="it-IT" sz="4400" spc="-1" strike="noStrike">
+            <a:r>
+              <a:rPr b="0" lang="it-IT" sz="1800" spc="-1" strike="noStrike">
                 <a:latin typeface="Arial"/>
               </a:rPr>
               <a:t>Fai clic per modificare il formato del testo del titolo</a:t>
             </a:r>
-            <a:endParaRPr b="0" lang="it-IT" sz="4400" spc="-1" strike="noStrike">
+            <a:endParaRPr b="0" lang="it-IT" sz="1800" spc="-1" strike="noStrike">
               <a:latin typeface="Arial"/>
             </a:endParaRPr>
           </a:p>
@@ -1435,7 +1436,7 @@
         <p:spPr>
           <a:xfrm>
             <a:off x="504000" y="1326600"/>
-            <a:ext cx="9071640" cy="3288240"/>
+            <a:ext cx="9072000" cy="3288600"/>
           </a:xfrm>
           <a:prstGeom prst="rect">
             <a:avLst/>
@@ -1443,7 +1444,7 @@
         </p:spPr>
         <p:txBody>
           <a:bodyPr lIns="0" rIns="0" tIns="0" bIns="0">
-            <a:normAutofit/>
+            <a:normAutofit fontScale="94000"/>
           </a:bodyPr>
           <a:p>
             <a:pPr marL="432000" indent="-324000">
@@ -1597,116 +1598,6 @@
             </a:r>
             <a:endParaRPr b="0" lang="it-IT" sz="2000" spc="-1" strike="noStrike">
               <a:latin typeface="Arial"/>
-            </a:endParaRPr>
-          </a:p>
-        </p:txBody>
-      </p:sp>
-      <p:sp>
-        <p:nvSpPr>
-          <p:cNvPr id="2" name="PlaceHolder 3"/>
-          <p:cNvSpPr>
-            <a:spLocks noGrp="1"/>
-          </p:cNvSpPr>
-          <p:nvPr>
-            <p:ph type="dt"/>
-          </p:nvPr>
-        </p:nvSpPr>
-        <p:spPr>
-          <a:xfrm>
-            <a:off x="504000" y="5165280"/>
-            <a:ext cx="2348280" cy="390600"/>
-          </a:xfrm>
-          <a:prstGeom prst="rect">
-            <a:avLst/>
-          </a:prstGeom>
-        </p:spPr>
-        <p:txBody>
-          <a:bodyPr lIns="0" rIns="0" tIns="0" bIns="0">
-            <a:noAutofit/>
-          </a:bodyPr>
-          <a:p>
-            <a:r>
-              <a:rPr b="0" lang="it-IT" sz="1400" spc="-1" strike="noStrike">
-                <a:latin typeface="Times New Roman"/>
-              </a:rPr>
-              <a:t>&lt;data/ora&gt;</a:t>
-            </a:r>
-            <a:endParaRPr b="0" lang="it-IT" sz="1400" spc="-1" strike="noStrike">
-              <a:latin typeface="Times New Roman"/>
-            </a:endParaRPr>
-          </a:p>
-        </p:txBody>
-      </p:sp>
-      <p:sp>
-        <p:nvSpPr>
-          <p:cNvPr id="3" name="PlaceHolder 4"/>
-          <p:cNvSpPr>
-            <a:spLocks noGrp="1"/>
-          </p:cNvSpPr>
-          <p:nvPr>
-            <p:ph type="ftr"/>
-          </p:nvPr>
-        </p:nvSpPr>
-        <p:spPr>
-          <a:xfrm>
-            <a:off x="3447360" y="5165280"/>
-            <a:ext cx="3195000" cy="390600"/>
-          </a:xfrm>
-          <a:prstGeom prst="rect">
-            <a:avLst/>
-          </a:prstGeom>
-        </p:spPr>
-        <p:txBody>
-          <a:bodyPr lIns="0" rIns="0" tIns="0" bIns="0">
-            <a:noAutofit/>
-          </a:bodyPr>
-          <a:p>
-            <a:pPr algn="ctr"/>
-            <a:r>
-              <a:rPr b="0" lang="it-IT" sz="1400" spc="-1" strike="noStrike">
-                <a:latin typeface="Times New Roman"/>
-              </a:rPr>
-              <a:t>&lt;piè di pagina&gt;</a:t>
-            </a:r>
-            <a:endParaRPr b="0" lang="it-IT" sz="1400" spc="-1" strike="noStrike">
-              <a:latin typeface="Times New Roman"/>
-            </a:endParaRPr>
-          </a:p>
-        </p:txBody>
-      </p:sp>
-      <p:sp>
-        <p:nvSpPr>
-          <p:cNvPr id="4" name="PlaceHolder 5"/>
-          <p:cNvSpPr>
-            <a:spLocks noGrp="1"/>
-          </p:cNvSpPr>
-          <p:nvPr>
-            <p:ph type="sldNum"/>
-          </p:nvPr>
-        </p:nvSpPr>
-        <p:spPr>
-          <a:xfrm>
-            <a:off x="7227360" y="5165280"/>
-            <a:ext cx="2348280" cy="390600"/>
-          </a:xfrm>
-          <a:prstGeom prst="rect">
-            <a:avLst/>
-          </a:prstGeom>
-        </p:spPr>
-        <p:txBody>
-          <a:bodyPr lIns="0" rIns="0" tIns="0" bIns="0">
-            <a:noAutofit/>
-          </a:bodyPr>
-          <a:p>
-            <a:pPr algn="r"/>
-            <a:fld id="{CF049D80-B694-480E-9C4F-C8E6671E1615}" type="slidenum">
-              <a:rPr b="0" lang="it-IT" sz="1400" spc="-1" strike="noStrike">
-                <a:latin typeface="Times New Roman"/>
-              </a:rPr>
-              <a:t>&lt;numero&gt;</a:t>
-            </a:fld>
-            <a:endParaRPr b="0" lang="it-IT" sz="1400" spc="-1" strike="noStrike">
-              <a:latin typeface="Times New Roman"/>
             </a:endParaRPr>
           </a:p>
         </p:txBody>
@@ -1750,14 +1641,14 @@
       </p:grpSpPr>
       <p:sp>
         <p:nvSpPr>
-          <p:cNvPr id="41" name="CustomShape 1"/>
+          <p:cNvPr id="38" name="CustomShape 1"/>
           <p:cNvSpPr/>
           <p:nvPr/>
         </p:nvSpPr>
         <p:spPr>
           <a:xfrm>
             <a:off x="288000" y="1080000"/>
-            <a:ext cx="864000" cy="504000"/>
+            <a:ext cx="863640" cy="503640"/>
           </a:xfrm>
           <a:prstGeom prst="rect">
             <a:avLst/>
@@ -1781,10 +1672,18 @@
             <a:noAutofit/>
           </a:bodyPr>
           <a:p>
-            <a:pPr algn="ctr"/>
+            <a:pPr algn="ctr">
+              <a:lnSpc>
+                <a:spcPct val="100000"/>
+              </a:lnSpc>
+            </a:pPr>
             <a:r>
               <a:rPr b="0" lang="it-IT" sz="1200" spc="-1" strike="noStrike">
-                <a:latin typeface="Arial"/>
+                <a:solidFill>
+                  <a:srgbClr val="000000"/>
+                </a:solidFill>
+                <a:latin typeface="Arial"/>
+                <a:ea typeface="DejaVu Sans"/>
               </a:rPr>
               <a:t>Producer</a:t>
             </a:r>
@@ -1793,16 +1692,28 @@
             </a:endParaRPr>
           </a:p>
           <a:p>
-            <a:pPr algn="ctr"/>
+            <a:pPr algn="ctr">
+              <a:lnSpc>
+                <a:spcPct val="100000"/>
+              </a:lnSpc>
+            </a:pPr>
             <a:r>
               <a:rPr b="0" lang="it-IT" sz="1200" spc="-1" strike="noStrike">
-                <a:latin typeface="Arial"/>
+                <a:solidFill>
+                  <a:srgbClr val="000000"/>
+                </a:solidFill>
+                <a:latin typeface="Arial"/>
+                <a:ea typeface="DejaVu Sans"/>
               </a:rPr>
               <a:t> </a:t>
             </a:r>
             <a:r>
               <a:rPr b="0" lang="it-IT" sz="1200" spc="-1" strike="noStrike">
-                <a:latin typeface="Arial"/>
+                <a:solidFill>
+                  <a:srgbClr val="000000"/>
+                </a:solidFill>
+                <a:latin typeface="Arial"/>
+                <a:ea typeface="DejaVu Sans"/>
               </a:rPr>
               <a:t>1</a:t>
             </a:r>
@@ -1814,7 +1725,7 @@
       </p:sp>
       <p:sp>
         <p:nvSpPr>
-          <p:cNvPr id="42" name="Line 2"/>
+          <p:cNvPr id="39" name="Line 2"/>
           <p:cNvSpPr/>
           <p:nvPr/>
         </p:nvSpPr>
@@ -1842,7 +1753,7 @@
       </p:sp>
       <p:sp>
         <p:nvSpPr>
-          <p:cNvPr id="43" name="Line 3"/>
+          <p:cNvPr id="40" name="Line 3"/>
           <p:cNvSpPr/>
           <p:nvPr/>
         </p:nvSpPr>
@@ -1870,14 +1781,14 @@
       </p:sp>
       <p:sp>
         <p:nvSpPr>
-          <p:cNvPr id="44" name="CustomShape 4"/>
+          <p:cNvPr id="41" name="CustomShape 4"/>
           <p:cNvSpPr/>
           <p:nvPr/>
         </p:nvSpPr>
         <p:spPr>
           <a:xfrm>
             <a:off x="288000" y="2365560"/>
-            <a:ext cx="864000" cy="504000"/>
+            <a:ext cx="863640" cy="503640"/>
           </a:xfrm>
           <a:prstGeom prst="rect">
             <a:avLst/>
@@ -1901,10 +1812,18 @@
             <a:noAutofit/>
           </a:bodyPr>
           <a:p>
-            <a:pPr algn="ctr"/>
+            <a:pPr algn="ctr">
+              <a:lnSpc>
+                <a:spcPct val="100000"/>
+              </a:lnSpc>
+            </a:pPr>
             <a:r>
               <a:rPr b="0" lang="it-IT" sz="1200" spc="-1" strike="noStrike">
-                <a:latin typeface="Arial"/>
+                <a:solidFill>
+                  <a:srgbClr val="000000"/>
+                </a:solidFill>
+                <a:latin typeface="Arial"/>
+                <a:ea typeface="DejaVu Sans"/>
               </a:rPr>
               <a:t>Producer</a:t>
             </a:r>
@@ -1913,16 +1832,28 @@
             </a:endParaRPr>
           </a:p>
           <a:p>
-            <a:pPr algn="ctr"/>
+            <a:pPr algn="ctr">
+              <a:lnSpc>
+                <a:spcPct val="100000"/>
+              </a:lnSpc>
+            </a:pPr>
             <a:r>
               <a:rPr b="0" lang="it-IT" sz="1200" spc="-1" strike="noStrike">
-                <a:latin typeface="Arial"/>
+                <a:solidFill>
+                  <a:srgbClr val="000000"/>
+                </a:solidFill>
+                <a:latin typeface="Arial"/>
+                <a:ea typeface="DejaVu Sans"/>
               </a:rPr>
               <a:t> </a:t>
             </a:r>
             <a:r>
               <a:rPr b="0" lang="it-IT" sz="1200" spc="-1" strike="noStrike">
-                <a:latin typeface="Arial"/>
+                <a:solidFill>
+                  <a:srgbClr val="000000"/>
+                </a:solidFill>
+                <a:latin typeface="Arial"/>
+                <a:ea typeface="DejaVu Sans"/>
               </a:rPr>
               <a:t>2</a:t>
             </a:r>
@@ -1934,14 +1865,14 @@
       </p:sp>
       <p:sp>
         <p:nvSpPr>
-          <p:cNvPr id="45" name="CustomShape 5"/>
+          <p:cNvPr id="42" name="CustomShape 5"/>
           <p:cNvSpPr/>
           <p:nvPr/>
         </p:nvSpPr>
         <p:spPr>
           <a:xfrm>
             <a:off x="288000" y="3672000"/>
-            <a:ext cx="864000" cy="504000"/>
+            <a:ext cx="863640" cy="503640"/>
           </a:xfrm>
           <a:prstGeom prst="rect">
             <a:avLst/>
@@ -1965,10 +1896,18 @@
             <a:noAutofit/>
           </a:bodyPr>
           <a:p>
-            <a:pPr algn="ctr"/>
+            <a:pPr algn="ctr">
+              <a:lnSpc>
+                <a:spcPct val="100000"/>
+              </a:lnSpc>
+            </a:pPr>
             <a:r>
               <a:rPr b="0" lang="it-IT" sz="1200" spc="-1" strike="noStrike">
-                <a:latin typeface="Arial"/>
+                <a:solidFill>
+                  <a:srgbClr val="000000"/>
+                </a:solidFill>
+                <a:latin typeface="Arial"/>
+                <a:ea typeface="DejaVu Sans"/>
               </a:rPr>
               <a:t>Producer</a:t>
             </a:r>
@@ -1977,16 +1916,28 @@
             </a:endParaRPr>
           </a:p>
           <a:p>
-            <a:pPr algn="ctr"/>
+            <a:pPr algn="ctr">
+              <a:lnSpc>
+                <a:spcPct val="100000"/>
+              </a:lnSpc>
+            </a:pPr>
             <a:r>
               <a:rPr b="0" lang="it-IT" sz="1200" spc="-1" strike="noStrike">
-                <a:latin typeface="Arial"/>
+                <a:solidFill>
+                  <a:srgbClr val="000000"/>
+                </a:solidFill>
+                <a:latin typeface="Arial"/>
+                <a:ea typeface="DejaVu Sans"/>
               </a:rPr>
               <a:t> </a:t>
             </a:r>
             <a:r>
               <a:rPr b="0" lang="it-IT" sz="1200" spc="-1" strike="noStrike">
-                <a:latin typeface="Arial"/>
+                <a:solidFill>
+                  <a:srgbClr val="000000"/>
+                </a:solidFill>
+                <a:latin typeface="Arial"/>
+                <a:ea typeface="DejaVu Sans"/>
               </a:rPr>
               <a:t>3</a:t>
             </a:r>
@@ -1998,14 +1949,14 @@
       </p:sp>
       <p:sp>
         <p:nvSpPr>
-          <p:cNvPr id="46" name="CustomShape 6"/>
+          <p:cNvPr id="43" name="CustomShape 6"/>
           <p:cNvSpPr/>
           <p:nvPr/>
         </p:nvSpPr>
         <p:spPr>
           <a:xfrm>
             <a:off x="4104000" y="2592000"/>
-            <a:ext cx="360000" cy="288000"/>
+            <a:ext cx="359640" cy="287640"/>
           </a:xfrm>
           <a:prstGeom prst="rect">
             <a:avLst/>
@@ -2027,14 +1978,14 @@
       </p:sp>
       <p:sp>
         <p:nvSpPr>
-          <p:cNvPr id="47" name="CustomShape 7"/>
+          <p:cNvPr id="44" name="CustomShape 7"/>
           <p:cNvSpPr/>
           <p:nvPr/>
         </p:nvSpPr>
         <p:spPr>
           <a:xfrm>
             <a:off x="4608000" y="2592000"/>
-            <a:ext cx="360000" cy="288000"/>
+            <a:ext cx="359640" cy="287640"/>
           </a:xfrm>
           <a:prstGeom prst="rect">
             <a:avLst/>
@@ -2056,14 +2007,14 @@
       </p:sp>
       <p:sp>
         <p:nvSpPr>
-          <p:cNvPr id="48" name="CustomShape 8"/>
+          <p:cNvPr id="45" name="CustomShape 8"/>
           <p:cNvSpPr/>
           <p:nvPr/>
         </p:nvSpPr>
         <p:spPr>
           <a:xfrm>
             <a:off x="5112000" y="2592000"/>
-            <a:ext cx="360000" cy="288000"/>
+            <a:ext cx="359640" cy="287640"/>
           </a:xfrm>
           <a:prstGeom prst="rect">
             <a:avLst/>
@@ -2085,14 +2036,14 @@
       </p:sp>
       <p:sp>
         <p:nvSpPr>
-          <p:cNvPr id="49" name="CustomShape 9"/>
+          <p:cNvPr id="46" name="CustomShape 9"/>
           <p:cNvSpPr/>
           <p:nvPr/>
         </p:nvSpPr>
         <p:spPr>
           <a:xfrm>
             <a:off x="5616000" y="2592000"/>
-            <a:ext cx="360000" cy="288000"/>
+            <a:ext cx="359640" cy="287640"/>
           </a:xfrm>
           <a:prstGeom prst="rect">
             <a:avLst/>
@@ -2114,14 +2065,14 @@
       </p:sp>
       <p:sp>
         <p:nvSpPr>
-          <p:cNvPr id="50" name="CustomShape 10"/>
+          <p:cNvPr id="47" name="CustomShape 10"/>
           <p:cNvSpPr/>
           <p:nvPr/>
         </p:nvSpPr>
         <p:spPr>
           <a:xfrm>
             <a:off x="8712000" y="648000"/>
-            <a:ext cx="864000" cy="504000"/>
+            <a:ext cx="863640" cy="503640"/>
           </a:xfrm>
           <a:prstGeom prst="rect">
             <a:avLst/>
@@ -2145,10 +2096,18 @@
             <a:noAutofit/>
           </a:bodyPr>
           <a:p>
-            <a:pPr algn="ctr"/>
+            <a:pPr algn="ctr">
+              <a:lnSpc>
+                <a:spcPct val="100000"/>
+              </a:lnSpc>
+            </a:pPr>
             <a:r>
               <a:rPr b="0" lang="it-IT" sz="1200" spc="-1" strike="noStrike">
-                <a:latin typeface="Arial"/>
+                <a:solidFill>
+                  <a:srgbClr val="000000"/>
+                </a:solidFill>
+                <a:latin typeface="Arial"/>
+                <a:ea typeface="DejaVu Sans"/>
               </a:rPr>
               <a:t>Consumer</a:t>
             </a:r>
@@ -2157,16 +2116,28 @@
             </a:endParaRPr>
           </a:p>
           <a:p>
-            <a:pPr algn="ctr"/>
+            <a:pPr algn="ctr">
+              <a:lnSpc>
+                <a:spcPct val="100000"/>
+              </a:lnSpc>
+            </a:pPr>
             <a:r>
               <a:rPr b="0" lang="it-IT" sz="1200" spc="-1" strike="noStrike">
-                <a:latin typeface="Arial"/>
+                <a:solidFill>
+                  <a:srgbClr val="000000"/>
+                </a:solidFill>
+                <a:latin typeface="Arial"/>
+                <a:ea typeface="DejaVu Sans"/>
               </a:rPr>
               <a:t> </a:t>
             </a:r>
             <a:r>
               <a:rPr b="0" lang="it-IT" sz="1200" spc="-1" strike="noStrike">
-                <a:latin typeface="Arial"/>
+                <a:solidFill>
+                  <a:srgbClr val="000000"/>
+                </a:solidFill>
+                <a:latin typeface="Arial"/>
+                <a:ea typeface="DejaVu Sans"/>
               </a:rPr>
               <a:t>1</a:t>
             </a:r>
@@ -2178,14 +2149,14 @@
       </p:sp>
       <p:sp>
         <p:nvSpPr>
-          <p:cNvPr id="51" name="CustomShape 11"/>
+          <p:cNvPr id="48" name="CustomShape 11"/>
           <p:cNvSpPr/>
           <p:nvPr/>
         </p:nvSpPr>
         <p:spPr>
           <a:xfrm>
             <a:off x="8712000" y="1800000"/>
-            <a:ext cx="864000" cy="504000"/>
+            <a:ext cx="863640" cy="503640"/>
           </a:xfrm>
           <a:prstGeom prst="rect">
             <a:avLst/>
@@ -2209,10 +2180,18 @@
             <a:noAutofit/>
           </a:bodyPr>
           <a:p>
-            <a:pPr algn="ctr"/>
+            <a:pPr algn="ctr">
+              <a:lnSpc>
+                <a:spcPct val="100000"/>
+              </a:lnSpc>
+            </a:pPr>
             <a:r>
               <a:rPr b="0" lang="it-IT" sz="1200" spc="-1" strike="noStrike">
-                <a:latin typeface="Arial"/>
+                <a:solidFill>
+                  <a:srgbClr val="000000"/>
+                </a:solidFill>
+                <a:latin typeface="Arial"/>
+                <a:ea typeface="DejaVu Sans"/>
               </a:rPr>
               <a:t>Consumer</a:t>
             </a:r>
@@ -2221,16 +2200,28 @@
             </a:endParaRPr>
           </a:p>
           <a:p>
-            <a:pPr algn="ctr"/>
+            <a:pPr algn="ctr">
+              <a:lnSpc>
+                <a:spcPct val="100000"/>
+              </a:lnSpc>
+            </a:pPr>
             <a:r>
               <a:rPr b="0" lang="it-IT" sz="1200" spc="-1" strike="noStrike">
-                <a:latin typeface="Arial"/>
+                <a:solidFill>
+                  <a:srgbClr val="000000"/>
+                </a:solidFill>
+                <a:latin typeface="Arial"/>
+                <a:ea typeface="DejaVu Sans"/>
               </a:rPr>
               <a:t> </a:t>
             </a:r>
             <a:r>
               <a:rPr b="0" lang="it-IT" sz="1200" spc="-1" strike="noStrike">
-                <a:latin typeface="Arial"/>
+                <a:solidFill>
+                  <a:srgbClr val="000000"/>
+                </a:solidFill>
+                <a:latin typeface="Arial"/>
+                <a:ea typeface="DejaVu Sans"/>
               </a:rPr>
               <a:t>2</a:t>
             </a:r>
@@ -2242,14 +2233,14 @@
       </p:sp>
       <p:sp>
         <p:nvSpPr>
-          <p:cNvPr id="52" name="CustomShape 12"/>
+          <p:cNvPr id="49" name="CustomShape 12"/>
           <p:cNvSpPr/>
           <p:nvPr/>
         </p:nvSpPr>
         <p:spPr>
           <a:xfrm>
             <a:off x="8712000" y="3312000"/>
-            <a:ext cx="864000" cy="504000"/>
+            <a:ext cx="863640" cy="503640"/>
           </a:xfrm>
           <a:prstGeom prst="rect">
             <a:avLst/>
@@ -2273,10 +2264,18 @@
             <a:noAutofit/>
           </a:bodyPr>
           <a:p>
-            <a:pPr algn="ctr"/>
+            <a:pPr algn="ctr">
+              <a:lnSpc>
+                <a:spcPct val="100000"/>
+              </a:lnSpc>
+            </a:pPr>
             <a:r>
               <a:rPr b="0" lang="it-IT" sz="1200" spc="-1" strike="noStrike">
-                <a:latin typeface="Arial"/>
+                <a:solidFill>
+                  <a:srgbClr val="000000"/>
+                </a:solidFill>
+                <a:latin typeface="Arial"/>
+                <a:ea typeface="DejaVu Sans"/>
               </a:rPr>
               <a:t>Consumer</a:t>
             </a:r>
@@ -2285,16 +2284,28 @@
             </a:endParaRPr>
           </a:p>
           <a:p>
-            <a:pPr algn="ctr"/>
+            <a:pPr algn="ctr">
+              <a:lnSpc>
+                <a:spcPct val="100000"/>
+              </a:lnSpc>
+            </a:pPr>
             <a:r>
               <a:rPr b="0" lang="it-IT" sz="1200" spc="-1" strike="noStrike">
-                <a:latin typeface="Arial"/>
+                <a:solidFill>
+                  <a:srgbClr val="000000"/>
+                </a:solidFill>
+                <a:latin typeface="Arial"/>
+                <a:ea typeface="DejaVu Sans"/>
               </a:rPr>
               <a:t> </a:t>
             </a:r>
             <a:r>
               <a:rPr b="0" lang="it-IT" sz="1200" spc="-1" strike="noStrike">
-                <a:latin typeface="Arial"/>
+                <a:solidFill>
+                  <a:srgbClr val="000000"/>
+                </a:solidFill>
+                <a:latin typeface="Arial"/>
+                <a:ea typeface="DejaVu Sans"/>
               </a:rPr>
               <a:t>3</a:t>
             </a:r>
@@ -2306,14 +2317,14 @@
       </p:sp>
       <p:sp>
         <p:nvSpPr>
-          <p:cNvPr id="53" name="CustomShape 13"/>
+          <p:cNvPr id="50" name="CustomShape 13"/>
           <p:cNvSpPr/>
           <p:nvPr/>
         </p:nvSpPr>
         <p:spPr>
           <a:xfrm>
             <a:off x="8712000" y="4536000"/>
-            <a:ext cx="864000" cy="504000"/>
+            <a:ext cx="863640" cy="503640"/>
           </a:xfrm>
           <a:prstGeom prst="rect">
             <a:avLst/>
@@ -2337,10 +2348,18 @@
             <a:noAutofit/>
           </a:bodyPr>
           <a:p>
-            <a:pPr algn="ctr"/>
+            <a:pPr algn="ctr">
+              <a:lnSpc>
+                <a:spcPct val="100000"/>
+              </a:lnSpc>
+            </a:pPr>
             <a:r>
               <a:rPr b="0" lang="it-IT" sz="1200" spc="-1" strike="noStrike">
-                <a:latin typeface="Arial"/>
+                <a:solidFill>
+                  <a:srgbClr val="000000"/>
+                </a:solidFill>
+                <a:latin typeface="Arial"/>
+                <a:ea typeface="DejaVu Sans"/>
               </a:rPr>
               <a:t>Consumer</a:t>
             </a:r>
@@ -2349,16 +2368,28 @@
             </a:endParaRPr>
           </a:p>
           <a:p>
-            <a:pPr algn="ctr"/>
+            <a:pPr algn="ctr">
+              <a:lnSpc>
+                <a:spcPct val="100000"/>
+              </a:lnSpc>
+            </a:pPr>
             <a:r>
               <a:rPr b="0" lang="it-IT" sz="1200" spc="-1" strike="noStrike">
-                <a:latin typeface="Arial"/>
+                <a:solidFill>
+                  <a:srgbClr val="000000"/>
+                </a:solidFill>
+                <a:latin typeface="Arial"/>
+                <a:ea typeface="DejaVu Sans"/>
               </a:rPr>
               <a:t> </a:t>
             </a:r>
             <a:r>
               <a:rPr b="0" lang="it-IT" sz="1200" spc="-1" strike="noStrike">
-                <a:latin typeface="Arial"/>
+                <a:solidFill>
+                  <a:srgbClr val="000000"/>
+                </a:solidFill>
+                <a:latin typeface="Arial"/>
+                <a:ea typeface="DejaVu Sans"/>
               </a:rPr>
               <a:t>4</a:t>
             </a:r>
@@ -2370,7 +2401,7 @@
       </p:sp>
       <p:sp>
         <p:nvSpPr>
-          <p:cNvPr id="54" name="Line 14"/>
+          <p:cNvPr id="51" name="Line 14"/>
           <p:cNvSpPr/>
           <p:nvPr/>
         </p:nvSpPr>
@@ -2399,7 +2430,7 @@
       </p:sp>
       <p:sp>
         <p:nvSpPr>
-          <p:cNvPr id="55" name="Line 15"/>
+          <p:cNvPr id="52" name="Line 15"/>
           <p:cNvSpPr/>
           <p:nvPr/>
         </p:nvSpPr>
@@ -2428,7 +2459,7 @@
       </p:sp>
       <p:sp>
         <p:nvSpPr>
-          <p:cNvPr id="56" name="Line 16"/>
+          <p:cNvPr id="53" name="Line 16"/>
           <p:cNvSpPr/>
           <p:nvPr/>
         </p:nvSpPr>
@@ -2457,7 +2488,7 @@
       </p:sp>
       <p:sp>
         <p:nvSpPr>
-          <p:cNvPr id="57" name="Line 17"/>
+          <p:cNvPr id="54" name="Line 17"/>
           <p:cNvSpPr/>
           <p:nvPr/>
         </p:nvSpPr>
@@ -2486,7 +2517,7 @@
       </p:sp>
       <p:sp>
         <p:nvSpPr>
-          <p:cNvPr id="58" name="Line 18"/>
+          <p:cNvPr id="55" name="Line 18"/>
           <p:cNvSpPr/>
           <p:nvPr/>
         </p:nvSpPr>
@@ -2515,7 +2546,7 @@
       </p:sp>
       <p:sp>
         <p:nvSpPr>
-          <p:cNvPr id="59" name="Line 19"/>
+          <p:cNvPr id="56" name="Line 19"/>
           <p:cNvSpPr/>
           <p:nvPr/>
         </p:nvSpPr>
@@ -2543,7 +2574,7 @@
       </p:sp>
       <p:sp>
         <p:nvSpPr>
-          <p:cNvPr id="60" name="Line 20"/>
+          <p:cNvPr id="57" name="Line 20"/>
           <p:cNvSpPr/>
           <p:nvPr/>
         </p:nvSpPr>
@@ -2571,7 +2602,7 @@
       </p:sp>
       <p:sp>
         <p:nvSpPr>
-          <p:cNvPr id="61" name="Line 21"/>
+          <p:cNvPr id="58" name="Line 21"/>
           <p:cNvSpPr/>
           <p:nvPr/>
         </p:nvSpPr>
@@ -2599,7 +2630,7 @@
       </p:sp>
       <p:sp>
         <p:nvSpPr>
-          <p:cNvPr id="62" name="Line 22"/>
+          <p:cNvPr id="59" name="Line 22"/>
           <p:cNvSpPr/>
           <p:nvPr/>
         </p:nvSpPr>
@@ -2627,14 +2658,14 @@
       </p:sp>
       <p:sp>
         <p:nvSpPr>
-          <p:cNvPr id="63" name="CustomShape 23"/>
+          <p:cNvPr id="60" name="CustomShape 23"/>
           <p:cNvSpPr/>
           <p:nvPr/>
         </p:nvSpPr>
         <p:spPr>
           <a:xfrm>
             <a:off x="3600000" y="2592000"/>
-            <a:ext cx="360000" cy="288000"/>
+            <a:ext cx="359640" cy="287640"/>
           </a:xfrm>
           <a:prstGeom prst="rect">
             <a:avLst/>
@@ -2656,14 +2687,14 @@
       </p:sp>
       <p:sp>
         <p:nvSpPr>
-          <p:cNvPr id="64" name="CustomShape 24"/>
+          <p:cNvPr id="61" name="CustomShape 24"/>
           <p:cNvSpPr/>
           <p:nvPr/>
         </p:nvSpPr>
         <p:spPr>
           <a:xfrm>
             <a:off x="6120000" y="2592000"/>
-            <a:ext cx="360000" cy="288000"/>
+            <a:ext cx="359640" cy="287640"/>
           </a:xfrm>
           <a:prstGeom prst="rect">
             <a:avLst/>
@@ -2685,14 +2716,14 @@
       </p:sp>
       <p:sp>
         <p:nvSpPr>
-          <p:cNvPr id="65" name="TextShape 25"/>
-          <p:cNvSpPr txBox="1"/>
+          <p:cNvPr id="62" name="CustomShape 25"/>
+          <p:cNvSpPr/>
           <p:nvPr/>
         </p:nvSpPr>
         <p:spPr>
           <a:xfrm>
             <a:off x="3456000" y="2016000"/>
-            <a:ext cx="2592000" cy="346320"/>
+            <a:ext cx="2591640" cy="345960"/>
           </a:xfrm>
           <a:prstGeom prst="rect">
             <a:avLst/>
@@ -2702,11 +2733,22 @@
             <a:noFill/>
           </a:ln>
         </p:spPr>
+        <p:style>
+          <a:lnRef idx="0"/>
+          <a:fillRef idx="0"/>
+          <a:effectRef idx="0"/>
+          <a:fontRef idx="minor"/>
+        </p:style>
         <p:txBody>
           <a:bodyPr lIns="90000" rIns="90000" tIns="45000" bIns="45000">
             <a:noAutofit/>
           </a:bodyPr>
           <a:p>
+            <a:pPr>
+              <a:lnSpc>
+                <a:spcPct val="100000"/>
+              </a:lnSpc>
+            </a:pPr>
             <a:r>
               <a:rPr b="0" lang="it-IT" sz="1800" spc="-1" strike="noStrike">
                 <a:latin typeface="Arial"/>
@@ -2718,6 +2760,933 @@
             </a:endParaRPr>
           </a:p>
         </p:txBody>
+      </p:sp>
+    </p:spTree>
+  </p:cSld>
+  <mc:AlternateContent>
+    <mc:Choice Requires="p14">
+      <p:transition spd="slow" p14:dur="2000"/>
+    </mc:Choice>
+    <mc:Fallback>
+      <p:transition spd="slow"/>
+    </mc:Fallback>
+  </mc:AlternateContent>
+</p:sld>
+</file>
+
+<file path=ppt/slides/slide2.xml><?xml version="1.0" encoding="utf-8"?>
+<p:sld xmlns:a="http://schemas.openxmlformats.org/drawingml/2006/main" xmlns:p="http://schemas.openxmlformats.org/presentationml/2006/main" xmlns:r="http://schemas.openxmlformats.org/officeDocument/2006/relationships" xmlns:p14="http://schemas.microsoft.com/office/powerpoint/2010/main" xmlns:p15="http://schemas.microsoft.com/office/powerpoint/2012/main" xmlns:mc="http://schemas.openxmlformats.org/markup-compatibility/2006">
+  <p:cSld>
+    <p:spTree>
+      <p:nvGrpSpPr>
+        <p:cNvPr id="1" name=""/>
+        <p:cNvGrpSpPr/>
+        <p:nvPr/>
+      </p:nvGrpSpPr>
+      <p:grpSpPr>
+        <a:xfrm>
+          <a:off x="0" y="0"/>
+          <a:ext cx="0" cy="0"/>
+          <a:chOff x="0" y="0"/>
+          <a:chExt cx="0" cy="0"/>
+        </a:xfrm>
+      </p:grpSpPr>
+      <p:sp>
+        <p:nvSpPr>
+          <p:cNvPr id="63" name="CustomShape 1"/>
+          <p:cNvSpPr/>
+          <p:nvPr/>
+        </p:nvSpPr>
+        <p:spPr>
+          <a:xfrm>
+            <a:off x="288000" y="1080000"/>
+            <a:ext cx="863640" cy="503640"/>
+          </a:xfrm>
+          <a:prstGeom prst="rect">
+            <a:avLst/>
+          </a:prstGeom>
+          <a:noFill/>
+          <a:ln w="36000">
+            <a:solidFill>
+              <a:srgbClr val="3465a4"/>
+            </a:solidFill>
+            <a:round/>
+          </a:ln>
+        </p:spPr>
+        <p:style>
+          <a:lnRef idx="0"/>
+          <a:fillRef idx="0"/>
+          <a:effectRef idx="0"/>
+          <a:fontRef idx="minor"/>
+        </p:style>
+        <p:txBody>
+          <a:bodyPr wrap="none" lIns="108000" rIns="108000" tIns="63000" bIns="63000" anchor="ctr">
+            <a:noAutofit/>
+          </a:bodyPr>
+          <a:p>
+            <a:pPr algn="ctr">
+              <a:lnSpc>
+                <a:spcPct val="100000"/>
+              </a:lnSpc>
+            </a:pPr>
+            <a:r>
+              <a:rPr b="0" lang="it-IT" sz="1200" spc="-1" strike="noStrike">
+                <a:solidFill>
+                  <a:srgbClr val="000000"/>
+                </a:solidFill>
+                <a:latin typeface="Arial"/>
+                <a:ea typeface="DejaVu Sans"/>
+              </a:rPr>
+              <a:t>Producer </a:t>
+            </a:r>
+            <a:endParaRPr b="0" lang="it-IT" sz="1200" spc="-1" strike="noStrike">
+              <a:latin typeface="Arial"/>
+            </a:endParaRPr>
+          </a:p>
+        </p:txBody>
+      </p:sp>
+      <p:sp>
+        <p:nvSpPr>
+          <p:cNvPr id="64" name="CustomShape 2"/>
+          <p:cNvSpPr/>
+          <p:nvPr/>
+        </p:nvSpPr>
+        <p:spPr>
+          <a:xfrm>
+            <a:off x="6624360" y="1080360"/>
+            <a:ext cx="863640" cy="503640"/>
+          </a:xfrm>
+          <a:prstGeom prst="rect">
+            <a:avLst/>
+          </a:prstGeom>
+          <a:noFill/>
+          <a:ln w="36000">
+            <a:solidFill>
+              <a:srgbClr val="3465a4"/>
+            </a:solidFill>
+            <a:round/>
+          </a:ln>
+        </p:spPr>
+        <p:style>
+          <a:lnRef idx="0"/>
+          <a:fillRef idx="0"/>
+          <a:effectRef idx="0"/>
+          <a:fontRef idx="minor"/>
+        </p:style>
+        <p:txBody>
+          <a:bodyPr wrap="none" lIns="108000" rIns="108000" tIns="63000" bIns="63000" anchor="ctr">
+            <a:noAutofit/>
+          </a:bodyPr>
+          <a:p>
+            <a:pPr algn="ctr">
+              <a:lnSpc>
+                <a:spcPct val="100000"/>
+              </a:lnSpc>
+            </a:pPr>
+            <a:r>
+              <a:rPr b="0" lang="it-IT" sz="1200" spc="-1" strike="noStrike">
+                <a:solidFill>
+                  <a:srgbClr val="000000"/>
+                </a:solidFill>
+                <a:latin typeface="Arial"/>
+                <a:ea typeface="DejaVu Sans"/>
+              </a:rPr>
+              <a:t>Consumer</a:t>
+            </a:r>
+            <a:endParaRPr b="0" lang="it-IT" sz="1200" spc="-1" strike="noStrike">
+              <a:latin typeface="Arial"/>
+            </a:endParaRPr>
+          </a:p>
+        </p:txBody>
+      </p:sp>
+      <p:sp>
+        <p:nvSpPr>
+          <p:cNvPr id="65" name="CustomShape 3"/>
+          <p:cNvSpPr/>
+          <p:nvPr/>
+        </p:nvSpPr>
+        <p:spPr>
+          <a:xfrm>
+            <a:off x="3384000" y="1008000"/>
+            <a:ext cx="1080000" cy="720000"/>
+          </a:xfrm>
+          <a:prstGeom prst="rect">
+            <a:avLst/>
+          </a:prstGeom>
+          <a:noFill/>
+          <a:ln w="72000">
+            <a:solidFill>
+              <a:srgbClr val="3465a4"/>
+            </a:solidFill>
+            <a:round/>
+          </a:ln>
+        </p:spPr>
+        <p:style>
+          <a:lnRef idx="0"/>
+          <a:fillRef idx="0"/>
+          <a:effectRef idx="0"/>
+          <a:fontRef idx="minor"/>
+        </p:style>
+      </p:sp>
+      <p:sp>
+        <p:nvSpPr>
+          <p:cNvPr id="66" name="CustomShape 4"/>
+          <p:cNvSpPr/>
+          <p:nvPr/>
+        </p:nvSpPr>
+        <p:spPr>
+          <a:xfrm>
+            <a:off x="3744000" y="1224000"/>
+            <a:ext cx="432000" cy="288000"/>
+          </a:xfrm>
+          <a:prstGeom prst="rect">
+            <a:avLst/>
+          </a:prstGeom>
+          <a:noFill/>
+          <a:ln>
+            <a:solidFill>
+              <a:srgbClr val="3465a4"/>
+            </a:solidFill>
+          </a:ln>
+        </p:spPr>
+        <p:style>
+          <a:lnRef idx="0"/>
+          <a:fillRef idx="0"/>
+          <a:effectRef idx="0"/>
+          <a:fontRef idx="minor"/>
+        </p:style>
+      </p:sp>
+      <p:sp>
+        <p:nvSpPr>
+          <p:cNvPr id="67" name="Line 5"/>
+          <p:cNvSpPr/>
+          <p:nvPr/>
+        </p:nvSpPr>
+        <p:spPr>
+          <a:xfrm>
+            <a:off x="1224000" y="1368000"/>
+            <a:ext cx="2448000" cy="0"/>
+          </a:xfrm>
+          <a:prstGeom prst="line">
+            <a:avLst/>
+          </a:prstGeom>
+          <a:ln w="21600">
+            <a:solidFill>
+              <a:srgbClr val="3465a4"/>
+            </a:solidFill>
+            <a:round/>
+            <a:tailEnd len="med" type="triangle" w="med"/>
+          </a:ln>
+        </p:spPr>
+        <p:style>
+          <a:lnRef idx="0"/>
+          <a:fillRef idx="0"/>
+          <a:effectRef idx="0"/>
+          <a:fontRef idx="minor"/>
+        </p:style>
+      </p:sp>
+      <p:sp>
+        <p:nvSpPr>
+          <p:cNvPr id="68" name="Line 6"/>
+          <p:cNvSpPr/>
+          <p:nvPr/>
+        </p:nvSpPr>
+        <p:spPr>
+          <a:xfrm>
+            <a:off x="4320000" y="1368000"/>
+            <a:ext cx="2232000" cy="0"/>
+          </a:xfrm>
+          <a:prstGeom prst="line">
+            <a:avLst/>
+          </a:prstGeom>
+          <a:ln w="21600">
+            <a:solidFill>
+              <a:srgbClr val="3465a4"/>
+            </a:solidFill>
+            <a:round/>
+            <a:tailEnd len="med" type="triangle" w="med"/>
+          </a:ln>
+        </p:spPr>
+        <p:style>
+          <a:lnRef idx="0"/>
+          <a:fillRef idx="0"/>
+          <a:effectRef idx="0"/>
+          <a:fontRef idx="minor"/>
+        </p:style>
+      </p:sp>
+      <p:sp>
+        <p:nvSpPr>
+          <p:cNvPr id="69" name="TextShape 7"/>
+          <p:cNvSpPr txBox="1"/>
+          <p:nvPr/>
+        </p:nvSpPr>
+        <p:spPr>
+          <a:xfrm>
+            <a:off x="3312000" y="648000"/>
+            <a:ext cx="1728000" cy="346320"/>
+          </a:xfrm>
+          <a:prstGeom prst="rect">
+            <a:avLst/>
+          </a:prstGeom>
+          <a:noFill/>
+          <a:ln>
+            <a:noFill/>
+          </a:ln>
+        </p:spPr>
+        <p:txBody>
+          <a:bodyPr lIns="90000" rIns="90000" tIns="45000" bIns="45000">
+            <a:noAutofit/>
+          </a:bodyPr>
+          <a:p>
+            <a:r>
+              <a:rPr b="0" lang="it-IT" sz="1800" spc="-1" strike="noStrike">
+                <a:latin typeface="Arial"/>
+              </a:rPr>
+              <a:t>MessageBox</a:t>
+            </a:r>
+            <a:endParaRPr b="0" lang="it-IT" sz="1800" spc="-1" strike="noStrike">
+              <a:latin typeface="Arial"/>
+            </a:endParaRPr>
+          </a:p>
+        </p:txBody>
+      </p:sp>
+    </p:spTree>
+  </p:cSld>
+  <mc:AlternateContent>
+    <mc:Choice Requires="p14">
+      <p:transition spd="slow" p14:dur="2000"/>
+    </mc:Choice>
+    <mc:Fallback>
+      <p:transition spd="slow"/>
+    </mc:Fallback>
+  </mc:AlternateContent>
+</p:sld>
+</file>
+
+<file path=ppt/slides/slide3.xml><?xml version="1.0" encoding="utf-8"?>
+<p:sld xmlns:a="http://schemas.openxmlformats.org/drawingml/2006/main" xmlns:p="http://schemas.openxmlformats.org/presentationml/2006/main" xmlns:r="http://schemas.openxmlformats.org/officeDocument/2006/relationships" xmlns:p14="http://schemas.microsoft.com/office/powerpoint/2010/main" xmlns:p15="http://schemas.microsoft.com/office/powerpoint/2012/main" xmlns:mc="http://schemas.openxmlformats.org/markup-compatibility/2006">
+  <p:cSld>
+    <p:spTree>
+      <p:nvGrpSpPr>
+        <p:cNvPr id="1" name=""/>
+        <p:cNvGrpSpPr/>
+        <p:nvPr/>
+      </p:nvGrpSpPr>
+      <p:grpSpPr>
+        <a:xfrm>
+          <a:off x="0" y="0"/>
+          <a:ext cx="0" cy="0"/>
+          <a:chOff x="0" y="0"/>
+          <a:chExt cx="0" cy="0"/>
+        </a:xfrm>
+      </p:grpSpPr>
+      <p:sp>
+        <p:nvSpPr>
+          <p:cNvPr id="70" name="CustomShape 1"/>
+          <p:cNvSpPr/>
+          <p:nvPr/>
+        </p:nvSpPr>
+        <p:spPr>
+          <a:xfrm>
+            <a:off x="288000" y="1080000"/>
+            <a:ext cx="863640" cy="503640"/>
+          </a:xfrm>
+          <a:prstGeom prst="rect">
+            <a:avLst/>
+          </a:prstGeom>
+          <a:noFill/>
+          <a:ln w="36000">
+            <a:solidFill>
+              <a:srgbClr val="3465a4"/>
+            </a:solidFill>
+            <a:round/>
+          </a:ln>
+        </p:spPr>
+        <p:style>
+          <a:lnRef idx="0"/>
+          <a:fillRef idx="0"/>
+          <a:effectRef idx="0"/>
+          <a:fontRef idx="minor"/>
+        </p:style>
+        <p:txBody>
+          <a:bodyPr wrap="none" lIns="108000" rIns="108000" tIns="63000" bIns="63000" anchor="ctr">
+            <a:noAutofit/>
+          </a:bodyPr>
+          <a:p>
+            <a:pPr algn="ctr">
+              <a:lnSpc>
+                <a:spcPct val="100000"/>
+              </a:lnSpc>
+            </a:pPr>
+            <a:r>
+              <a:rPr b="0" lang="it-IT" sz="1200" spc="-1" strike="noStrike">
+                <a:solidFill>
+                  <a:srgbClr val="000000"/>
+                </a:solidFill>
+                <a:latin typeface="Arial"/>
+                <a:ea typeface="DejaVu Sans"/>
+              </a:rPr>
+              <a:t>Producer </a:t>
+            </a:r>
+            <a:endParaRPr b="0" lang="it-IT" sz="1200" spc="-1" strike="noStrike">
+              <a:latin typeface="Arial"/>
+            </a:endParaRPr>
+          </a:p>
+          <a:p>
+            <a:pPr algn="ctr">
+              <a:lnSpc>
+                <a:spcPct val="100000"/>
+              </a:lnSpc>
+            </a:pPr>
+            <a:r>
+              <a:rPr b="0" lang="it-IT" sz="1200" spc="-1" strike="noStrike">
+                <a:solidFill>
+                  <a:srgbClr val="000000"/>
+                </a:solidFill>
+                <a:latin typeface="Arial"/>
+                <a:ea typeface="DejaVu Sans"/>
+              </a:rPr>
+              <a:t>1</a:t>
+            </a:r>
+            <a:endParaRPr b="0" lang="it-IT" sz="1200" spc="-1" strike="noStrike">
+              <a:latin typeface="Arial"/>
+            </a:endParaRPr>
+          </a:p>
+        </p:txBody>
+      </p:sp>
+      <p:sp>
+        <p:nvSpPr>
+          <p:cNvPr id="71" name="CustomShape 2"/>
+          <p:cNvSpPr/>
+          <p:nvPr/>
+        </p:nvSpPr>
+        <p:spPr>
+          <a:xfrm>
+            <a:off x="6624360" y="1080360"/>
+            <a:ext cx="863640" cy="503640"/>
+          </a:xfrm>
+          <a:prstGeom prst="rect">
+            <a:avLst/>
+          </a:prstGeom>
+          <a:noFill/>
+          <a:ln w="36000">
+            <a:solidFill>
+              <a:srgbClr val="3465a4"/>
+            </a:solidFill>
+            <a:round/>
+          </a:ln>
+        </p:spPr>
+        <p:style>
+          <a:lnRef idx="0"/>
+          <a:fillRef idx="0"/>
+          <a:effectRef idx="0"/>
+          <a:fontRef idx="minor"/>
+        </p:style>
+        <p:txBody>
+          <a:bodyPr wrap="none" lIns="108000" rIns="108000" tIns="63000" bIns="63000" anchor="ctr">
+            <a:noAutofit/>
+          </a:bodyPr>
+          <a:p>
+            <a:pPr algn="ctr">
+              <a:lnSpc>
+                <a:spcPct val="100000"/>
+              </a:lnSpc>
+            </a:pPr>
+            <a:r>
+              <a:rPr b="0" lang="it-IT" sz="1200" spc="-1" strike="noStrike">
+                <a:solidFill>
+                  <a:srgbClr val="000000"/>
+                </a:solidFill>
+                <a:latin typeface="Arial"/>
+                <a:ea typeface="DejaVu Sans"/>
+              </a:rPr>
+              <a:t>Consumer</a:t>
+            </a:r>
+            <a:endParaRPr b="0" lang="it-IT" sz="1200" spc="-1" strike="noStrike">
+              <a:latin typeface="Arial"/>
+            </a:endParaRPr>
+          </a:p>
+          <a:p>
+            <a:pPr algn="ctr">
+              <a:lnSpc>
+                <a:spcPct val="100000"/>
+              </a:lnSpc>
+            </a:pPr>
+            <a:r>
+              <a:rPr b="0" lang="it-IT" sz="1200" spc="-1" strike="noStrike">
+                <a:solidFill>
+                  <a:srgbClr val="000000"/>
+                </a:solidFill>
+                <a:latin typeface="Arial"/>
+                <a:ea typeface="DejaVu Sans"/>
+              </a:rPr>
+              <a:t>1</a:t>
+            </a:r>
+            <a:endParaRPr b="0" lang="it-IT" sz="1200" spc="-1" strike="noStrike">
+              <a:latin typeface="Arial"/>
+            </a:endParaRPr>
+          </a:p>
+        </p:txBody>
+      </p:sp>
+      <p:sp>
+        <p:nvSpPr>
+          <p:cNvPr id="72" name="CustomShape 3"/>
+          <p:cNvSpPr/>
+          <p:nvPr/>
+        </p:nvSpPr>
+        <p:spPr>
+          <a:xfrm>
+            <a:off x="3384000" y="2304000"/>
+            <a:ext cx="1080000" cy="720000"/>
+          </a:xfrm>
+          <a:prstGeom prst="rect">
+            <a:avLst/>
+          </a:prstGeom>
+          <a:noFill/>
+          <a:ln w="72000">
+            <a:solidFill>
+              <a:srgbClr val="3465a4"/>
+            </a:solidFill>
+            <a:round/>
+          </a:ln>
+        </p:spPr>
+        <p:style>
+          <a:lnRef idx="0"/>
+          <a:fillRef idx="0"/>
+          <a:effectRef idx="0"/>
+          <a:fontRef idx="minor"/>
+        </p:style>
+      </p:sp>
+      <p:sp>
+        <p:nvSpPr>
+          <p:cNvPr id="73" name="CustomShape 4"/>
+          <p:cNvSpPr/>
+          <p:nvPr/>
+        </p:nvSpPr>
+        <p:spPr>
+          <a:xfrm>
+            <a:off x="3672000" y="2520000"/>
+            <a:ext cx="432000" cy="288000"/>
+          </a:xfrm>
+          <a:prstGeom prst="rect">
+            <a:avLst/>
+          </a:prstGeom>
+          <a:noFill/>
+          <a:ln>
+            <a:solidFill>
+              <a:srgbClr val="3465a4"/>
+            </a:solidFill>
+          </a:ln>
+        </p:spPr>
+        <p:style>
+          <a:lnRef idx="0"/>
+          <a:fillRef idx="0"/>
+          <a:effectRef idx="0"/>
+          <a:fontRef idx="minor"/>
+        </p:style>
+      </p:sp>
+      <p:sp>
+        <p:nvSpPr>
+          <p:cNvPr id="74" name="Line 5"/>
+          <p:cNvSpPr/>
+          <p:nvPr/>
+        </p:nvSpPr>
+        <p:spPr>
+          <a:xfrm>
+            <a:off x="1151640" y="1368000"/>
+            <a:ext cx="2160360" cy="1296000"/>
+          </a:xfrm>
+          <a:prstGeom prst="line">
+            <a:avLst/>
+          </a:prstGeom>
+          <a:ln w="21600">
+            <a:solidFill>
+              <a:srgbClr val="3465a4"/>
+            </a:solidFill>
+            <a:round/>
+            <a:tailEnd len="med" type="triangle" w="med"/>
+          </a:ln>
+        </p:spPr>
+        <p:style>
+          <a:lnRef idx="0"/>
+          <a:fillRef idx="0"/>
+          <a:effectRef idx="0"/>
+          <a:fontRef idx="minor"/>
+        </p:style>
+      </p:sp>
+      <p:sp>
+        <p:nvSpPr>
+          <p:cNvPr id="75" name="Line 6"/>
+          <p:cNvSpPr/>
+          <p:nvPr/>
+        </p:nvSpPr>
+        <p:spPr>
+          <a:xfrm flipV="1">
+            <a:off x="4464000" y="1368000"/>
+            <a:ext cx="2088000" cy="1296000"/>
+          </a:xfrm>
+          <a:prstGeom prst="line">
+            <a:avLst/>
+          </a:prstGeom>
+          <a:ln w="21600">
+            <a:solidFill>
+              <a:srgbClr val="3465a4"/>
+            </a:solidFill>
+            <a:round/>
+            <a:tailEnd len="med" type="triangle" w="med"/>
+          </a:ln>
+        </p:spPr>
+        <p:style>
+          <a:lnRef idx="0"/>
+          <a:fillRef idx="0"/>
+          <a:effectRef idx="0"/>
+          <a:fontRef idx="minor"/>
+        </p:style>
+      </p:sp>
+      <p:sp>
+        <p:nvSpPr>
+          <p:cNvPr id="76" name="TextShape 7"/>
+          <p:cNvSpPr txBox="1"/>
+          <p:nvPr/>
+        </p:nvSpPr>
+        <p:spPr>
+          <a:xfrm>
+            <a:off x="3096000" y="1800000"/>
+            <a:ext cx="1728000" cy="346320"/>
+          </a:xfrm>
+          <a:prstGeom prst="rect">
+            <a:avLst/>
+          </a:prstGeom>
+          <a:noFill/>
+          <a:ln>
+            <a:noFill/>
+          </a:ln>
+        </p:spPr>
+        <p:txBody>
+          <a:bodyPr lIns="90000" rIns="90000" tIns="45000" bIns="45000">
+            <a:noAutofit/>
+          </a:bodyPr>
+          <a:p>
+            <a:r>
+              <a:rPr b="0" lang="it-IT" sz="1800" spc="-1" strike="noStrike">
+                <a:latin typeface="Arial"/>
+              </a:rPr>
+              <a:t>MessageBox</a:t>
+            </a:r>
+            <a:endParaRPr b="0" lang="it-IT" sz="1800" spc="-1" strike="noStrike">
+              <a:latin typeface="Arial"/>
+            </a:endParaRPr>
+          </a:p>
+        </p:txBody>
+      </p:sp>
+      <p:sp>
+        <p:nvSpPr>
+          <p:cNvPr id="77" name="CustomShape 8"/>
+          <p:cNvSpPr/>
+          <p:nvPr/>
+        </p:nvSpPr>
+        <p:spPr>
+          <a:xfrm>
+            <a:off x="304200" y="2448000"/>
+            <a:ext cx="863640" cy="503640"/>
+          </a:xfrm>
+          <a:prstGeom prst="rect">
+            <a:avLst/>
+          </a:prstGeom>
+          <a:noFill/>
+          <a:ln w="36000">
+            <a:solidFill>
+              <a:srgbClr val="3465a4"/>
+            </a:solidFill>
+            <a:round/>
+          </a:ln>
+        </p:spPr>
+        <p:style>
+          <a:lnRef idx="0"/>
+          <a:fillRef idx="0"/>
+          <a:effectRef idx="0"/>
+          <a:fontRef idx="minor"/>
+        </p:style>
+        <p:txBody>
+          <a:bodyPr wrap="none" lIns="108000" rIns="108000" tIns="63000" bIns="63000" anchor="ctr">
+            <a:noAutofit/>
+          </a:bodyPr>
+          <a:p>
+            <a:pPr algn="ctr">
+              <a:lnSpc>
+                <a:spcPct val="100000"/>
+              </a:lnSpc>
+            </a:pPr>
+            <a:r>
+              <a:rPr b="0" lang="it-IT" sz="1200" spc="-1" strike="noStrike">
+                <a:solidFill>
+                  <a:srgbClr val="000000"/>
+                </a:solidFill>
+                <a:latin typeface="Arial"/>
+                <a:ea typeface="DejaVu Sans"/>
+              </a:rPr>
+              <a:t>Producer</a:t>
+            </a:r>
+            <a:endParaRPr b="0" lang="it-IT" sz="1200" spc="-1" strike="noStrike">
+              <a:latin typeface="Arial"/>
+            </a:endParaRPr>
+          </a:p>
+          <a:p>
+            <a:pPr algn="ctr">
+              <a:lnSpc>
+                <a:spcPct val="100000"/>
+              </a:lnSpc>
+            </a:pPr>
+            <a:r>
+              <a:rPr b="0" lang="it-IT" sz="1200" spc="-1" strike="noStrike">
+                <a:solidFill>
+                  <a:srgbClr val="000000"/>
+                </a:solidFill>
+                <a:latin typeface="Arial"/>
+                <a:ea typeface="DejaVu Sans"/>
+              </a:rPr>
+              <a:t>2 </a:t>
+            </a:r>
+            <a:endParaRPr b="0" lang="it-IT" sz="1200" spc="-1" strike="noStrike">
+              <a:latin typeface="Arial"/>
+            </a:endParaRPr>
+          </a:p>
+        </p:txBody>
+      </p:sp>
+      <p:sp>
+        <p:nvSpPr>
+          <p:cNvPr id="78" name="CustomShape 9"/>
+          <p:cNvSpPr/>
+          <p:nvPr/>
+        </p:nvSpPr>
+        <p:spPr>
+          <a:xfrm>
+            <a:off x="360000" y="4104360"/>
+            <a:ext cx="863640" cy="503640"/>
+          </a:xfrm>
+          <a:prstGeom prst="rect">
+            <a:avLst/>
+          </a:prstGeom>
+          <a:noFill/>
+          <a:ln w="36000">
+            <a:solidFill>
+              <a:srgbClr val="3465a4"/>
+            </a:solidFill>
+            <a:round/>
+          </a:ln>
+        </p:spPr>
+        <p:style>
+          <a:lnRef idx="0"/>
+          <a:fillRef idx="0"/>
+          <a:effectRef idx="0"/>
+          <a:fontRef idx="minor"/>
+        </p:style>
+        <p:txBody>
+          <a:bodyPr wrap="none" lIns="108000" rIns="108000" tIns="63000" bIns="63000" anchor="ctr">
+            <a:noAutofit/>
+          </a:bodyPr>
+          <a:p>
+            <a:pPr algn="ctr">
+              <a:lnSpc>
+                <a:spcPct val="100000"/>
+              </a:lnSpc>
+            </a:pPr>
+            <a:r>
+              <a:rPr b="0" lang="it-IT" sz="1200" spc="-1" strike="noStrike">
+                <a:solidFill>
+                  <a:srgbClr val="000000"/>
+                </a:solidFill>
+                <a:latin typeface="Arial"/>
+                <a:ea typeface="DejaVu Sans"/>
+              </a:rPr>
+              <a:t>Producer</a:t>
+            </a:r>
+            <a:endParaRPr b="0" lang="it-IT" sz="1200" spc="-1" strike="noStrike">
+              <a:latin typeface="Arial"/>
+            </a:endParaRPr>
+          </a:p>
+          <a:p>
+            <a:pPr algn="ctr">
+              <a:lnSpc>
+                <a:spcPct val="100000"/>
+              </a:lnSpc>
+            </a:pPr>
+            <a:r>
+              <a:rPr b="0" lang="it-IT" sz="1200" spc="-1" strike="noStrike">
+                <a:solidFill>
+                  <a:srgbClr val="000000"/>
+                </a:solidFill>
+                <a:latin typeface="Arial"/>
+                <a:ea typeface="DejaVu Sans"/>
+              </a:rPr>
+              <a:t>3 </a:t>
+            </a:r>
+            <a:endParaRPr b="0" lang="it-IT" sz="1200" spc="-1" strike="noStrike">
+              <a:latin typeface="Arial"/>
+            </a:endParaRPr>
+          </a:p>
+        </p:txBody>
+      </p:sp>
+      <p:sp>
+        <p:nvSpPr>
+          <p:cNvPr id="79" name="CustomShape 10"/>
+          <p:cNvSpPr/>
+          <p:nvPr/>
+        </p:nvSpPr>
+        <p:spPr>
+          <a:xfrm>
+            <a:off x="6696000" y="4104000"/>
+            <a:ext cx="863640" cy="503640"/>
+          </a:xfrm>
+          <a:prstGeom prst="rect">
+            <a:avLst/>
+          </a:prstGeom>
+          <a:noFill/>
+          <a:ln w="36000">
+            <a:solidFill>
+              <a:srgbClr val="3465a4"/>
+            </a:solidFill>
+            <a:round/>
+          </a:ln>
+        </p:spPr>
+        <p:style>
+          <a:lnRef idx="0"/>
+          <a:fillRef idx="0"/>
+          <a:effectRef idx="0"/>
+          <a:fontRef idx="minor"/>
+        </p:style>
+        <p:txBody>
+          <a:bodyPr wrap="none" lIns="108000" rIns="108000" tIns="63000" bIns="63000" anchor="ctr">
+            <a:noAutofit/>
+          </a:bodyPr>
+          <a:p>
+            <a:pPr algn="ctr">
+              <a:lnSpc>
+                <a:spcPct val="100000"/>
+              </a:lnSpc>
+            </a:pPr>
+            <a:r>
+              <a:rPr b="0" lang="it-IT" sz="1200" spc="-1" strike="noStrike">
+                <a:solidFill>
+                  <a:srgbClr val="000000"/>
+                </a:solidFill>
+                <a:latin typeface="Arial"/>
+                <a:ea typeface="DejaVu Sans"/>
+              </a:rPr>
+              <a:t>Consumer</a:t>
+            </a:r>
+            <a:endParaRPr b="0" lang="it-IT" sz="1200" spc="-1" strike="noStrike">
+              <a:latin typeface="Arial"/>
+            </a:endParaRPr>
+          </a:p>
+          <a:p>
+            <a:pPr algn="ctr">
+              <a:lnSpc>
+                <a:spcPct val="100000"/>
+              </a:lnSpc>
+            </a:pPr>
+            <a:r>
+              <a:rPr b="0" lang="it-IT" sz="1200" spc="-1" strike="noStrike">
+                <a:solidFill>
+                  <a:srgbClr val="000000"/>
+                </a:solidFill>
+                <a:latin typeface="Arial"/>
+                <a:ea typeface="DejaVu Sans"/>
+              </a:rPr>
+              <a:t>2</a:t>
+            </a:r>
+            <a:endParaRPr b="0" lang="it-IT" sz="1200" spc="-1" strike="noStrike">
+              <a:latin typeface="Arial"/>
+            </a:endParaRPr>
+          </a:p>
+        </p:txBody>
+      </p:sp>
+      <p:sp>
+        <p:nvSpPr>
+          <p:cNvPr id="80" name="Line 11"/>
+          <p:cNvSpPr/>
+          <p:nvPr/>
+        </p:nvSpPr>
+        <p:spPr>
+          <a:xfrm>
+            <a:off x="1167840" y="2736000"/>
+            <a:ext cx="2144160" cy="0"/>
+          </a:xfrm>
+          <a:prstGeom prst="line">
+            <a:avLst/>
+          </a:prstGeom>
+          <a:ln w="21600">
+            <a:solidFill>
+              <a:srgbClr val="3465a4"/>
+            </a:solidFill>
+            <a:round/>
+            <a:tailEnd len="med" type="triangle" w="med"/>
+          </a:ln>
+        </p:spPr>
+        <p:style>
+          <a:lnRef idx="0"/>
+          <a:fillRef idx="0"/>
+          <a:effectRef idx="0"/>
+          <a:fontRef idx="minor"/>
+        </p:style>
+      </p:sp>
+      <p:sp>
+        <p:nvSpPr>
+          <p:cNvPr id="81" name="Line 12"/>
+          <p:cNvSpPr/>
+          <p:nvPr/>
+        </p:nvSpPr>
+        <p:spPr>
+          <a:xfrm flipV="1">
+            <a:off x="1223640" y="2880000"/>
+            <a:ext cx="2088360" cy="1512000"/>
+          </a:xfrm>
+          <a:prstGeom prst="line">
+            <a:avLst/>
+          </a:prstGeom>
+          <a:ln w="21600">
+            <a:solidFill>
+              <a:srgbClr val="3465a4"/>
+            </a:solidFill>
+            <a:round/>
+            <a:tailEnd len="med" type="triangle" w="med"/>
+          </a:ln>
+        </p:spPr>
+        <p:style>
+          <a:lnRef idx="0"/>
+          <a:fillRef idx="0"/>
+          <a:effectRef idx="0"/>
+          <a:fontRef idx="minor"/>
+        </p:style>
+      </p:sp>
+      <p:sp>
+        <p:nvSpPr>
+          <p:cNvPr id="82" name="Line 13"/>
+          <p:cNvSpPr/>
+          <p:nvPr/>
+        </p:nvSpPr>
+        <p:spPr>
+          <a:xfrm>
+            <a:off x="4464000" y="2808000"/>
+            <a:ext cx="2232000" cy="1656000"/>
+          </a:xfrm>
+          <a:prstGeom prst="line">
+            <a:avLst/>
+          </a:prstGeom>
+          <a:ln w="21600">
+            <a:solidFill>
+              <a:srgbClr val="3465a4"/>
+            </a:solidFill>
+            <a:round/>
+            <a:tailEnd len="med" type="triangle" w="med"/>
+          </a:ln>
+        </p:spPr>
+        <p:style>
+          <a:lnRef idx="0"/>
+          <a:fillRef idx="0"/>
+          <a:effectRef idx="0"/>
+          <a:fontRef idx="minor"/>
+        </p:style>
       </p:sp>
     </p:spTree>
   </p:cSld>
